--- a/文档/图例/概要设计.pptx
+++ b/文档/图例/概要设计.pptx
@@ -8,6 +8,7 @@
     <p:sldId id="256" r:id="rId3"/>
     <p:sldId id="257" r:id="rId4"/>
     <p:sldId id="258" r:id="rId5"/>
+    <p:sldId id="259" r:id="rId6"/>
   </p:sldIdLst>
   <p:sldSz cx="12192000" cy="6858000"/>
   <p:notesSz cx="6858000" cy="9144000"/>
@@ -9672,7 +9673,7 @@
             </a:r>
             <a:r>
               <a:rPr lang="zh-CN" altLang="en-US"/>
-              <a:t>业务层次机构</a:t>
+              <a:t>业务层次结构</a:t>
             </a:r>
             <a:endParaRPr lang="zh-CN" altLang="en-US"/>
           </a:p>
@@ -9749,9 +9750,17 @@
             </a:r>
             <a:r>
               <a:rPr lang="zh-CN" altLang="zh-CN"/>
-              <a:t>应用服务器</a:t>
+              <a:t>应用服务器（</a:t>
             </a:r>
-            <a:endParaRPr lang="zh-CN" altLang="zh-CN"/>
+            <a:r>
+              <a:rPr lang="en-US" altLang="zh-CN"/>
+              <a:t>Tomcat</a:t>
+            </a:r>
+            <a:r>
+              <a:rPr lang="zh-CN" altLang="en-US"/>
+              <a:t>）</a:t>
+            </a:r>
+            <a:endParaRPr lang="zh-CN" altLang="en-US"/>
           </a:p>
         </p:txBody>
       </p:sp>
@@ -9921,7 +9930,15 @@
             <a:pPr algn="ctr"/>
             <a:r>
               <a:rPr lang="zh-CN" altLang="en-US"/>
-              <a:t>数据库</a:t>
+              <a:t>数据库（</a:t>
+            </a:r>
+            <a:r>
+              <a:rPr lang="en-US" altLang="zh-CN"/>
+              <a:t>MySQL</a:t>
+            </a:r>
+            <a:r>
+              <a:rPr lang="zh-CN" altLang="en-US"/>
+              <a:t>）</a:t>
             </a:r>
             <a:endParaRPr lang="zh-CN" altLang="en-US"/>
           </a:p>
@@ -9980,6 +9997,45 @@
       <p:grpSpPr/>
       <p:sp>
         <p:nvSpPr>
+          <p:cNvPr id="10" name="矩形 9"/>
+          <p:cNvSpPr/>
+          <p:nvPr/>
+        </p:nvSpPr>
+        <p:spPr>
+          <a:xfrm>
+            <a:off x="2842895" y="157480"/>
+            <a:ext cx="9171305" cy="6542405"/>
+          </a:xfrm>
+          <a:prstGeom prst="rect">
+            <a:avLst/>
+          </a:prstGeom>
+        </p:spPr>
+        <p:style>
+          <a:lnRef idx="1">
+            <a:schemeClr val="accent3"/>
+          </a:lnRef>
+          <a:fillRef idx="2">
+            <a:schemeClr val="accent3"/>
+          </a:fillRef>
+          <a:effectRef idx="1">
+            <a:schemeClr val="accent3"/>
+          </a:effectRef>
+          <a:fontRef idx="minor">
+            <a:schemeClr val="dk1"/>
+          </a:fontRef>
+        </p:style>
+        <p:txBody>
+          <a:bodyPr rtlCol="0" anchor="ctr"/>
+          <a:p>
+            <a:pPr algn="ctr"/>
+            <a:endParaRPr lang="zh-CN" altLang="en-US">
+              <a:latin typeface="Calibri" panose="020F0502020204030204" charset="0"/>
+            </a:endParaRPr>
+          </a:p>
+        </p:txBody>
+      </p:sp>
+      <p:sp>
+        <p:nvSpPr>
           <p:cNvPr id="2" name="文本框 1"/>
           <p:cNvSpPr txBox="1"/>
           <p:nvPr/>
@@ -9987,7 +10043,7 @@
         <p:spPr>
           <a:xfrm>
             <a:off x="-1270" y="-4445"/>
-            <a:ext cx="2074545" cy="368300"/>
+            <a:ext cx="2468880" cy="645160"/>
           </a:xfrm>
           <a:prstGeom prst="rect">
             <a:avLst/>
@@ -10010,6 +10066,13 @@
             <a:r>
               <a:rPr lang="zh-CN" altLang="zh-CN"/>
               <a:t>架构说明</a:t>
+            </a:r>
+            <a:endParaRPr lang="zh-CN" altLang="zh-CN"/>
+          </a:p>
+          <a:p>
+            <a:r>
+              <a:rPr lang="zh-CN" altLang="zh-CN"/>
+              <a:t>（请求页面【同步】）</a:t>
             </a:r>
             <a:endParaRPr lang="zh-CN" altLang="zh-CN"/>
           </a:p>
@@ -10035,8 +10098,8 @@
         </p:blipFill>
         <p:spPr>
           <a:xfrm>
-            <a:off x="1489075" y="2519680"/>
-            <a:ext cx="720090" cy="720090"/>
+            <a:off x="299720" y="2628265"/>
+            <a:ext cx="1307465" cy="1307465"/>
           </a:xfrm>
           <a:prstGeom prst="rect">
             <a:avLst/>
@@ -10045,14 +10108,14 @@
       </p:pic>
       <p:sp>
         <p:nvSpPr>
-          <p:cNvPr id="5" name="圆角矩形 4"/>
+          <p:cNvPr id="3" name="圆角矩形 2"/>
           <p:cNvSpPr/>
           <p:nvPr/>
         </p:nvSpPr>
         <p:spPr>
           <a:xfrm>
-            <a:off x="4352925" y="1287780"/>
-            <a:ext cx="3972560" cy="1716405"/>
+            <a:off x="7030720" y="791845"/>
+            <a:ext cx="2990850" cy="1530350"/>
           </a:xfrm>
           <a:prstGeom prst="roundRect">
             <a:avLst/>
@@ -10078,6 +10141,1229 @@
           <a:bodyPr rtlCol="0" anchor="ctr"/>
           <a:p>
             <a:pPr algn="ctr"/>
+            <a:r>
+              <a:rPr lang="en-US" altLang="zh-CN" sz="2400" b="1">
+                <a:latin typeface="Arial" panose="020B0604020202020204" pitchFamily="34" charset="0"/>
+                <a:cs typeface="Arial" panose="020B0604020202020204" pitchFamily="34" charset="0"/>
+              </a:rPr>
+              <a:t>View</a:t>
+            </a:r>
+            <a:endParaRPr lang="zh-CN" altLang="en-US">
+              <a:latin typeface="Arial" panose="020B0604020202020204" pitchFamily="34" charset="0"/>
+              <a:cs typeface="Arial" panose="020B0604020202020204" pitchFamily="34" charset="0"/>
+            </a:endParaRPr>
+          </a:p>
+          <a:p>
+            <a:pPr algn="ctr"/>
+            <a:r>
+              <a:rPr lang="en-US" altLang="zh-CN">
+                <a:latin typeface="Arial" panose="020B0604020202020204" pitchFamily="34" charset="0"/>
+                <a:cs typeface="Arial" panose="020B0604020202020204" pitchFamily="34" charset="0"/>
+              </a:rPr>
+              <a:t>(html)</a:t>
+            </a:r>
+            <a:endParaRPr lang="zh-CN" altLang="en-US">
+              <a:latin typeface="Arial" panose="020B0604020202020204" pitchFamily="34" charset="0"/>
+              <a:cs typeface="Arial" panose="020B0604020202020204" pitchFamily="34" charset="0"/>
+            </a:endParaRPr>
+          </a:p>
+        </p:txBody>
+      </p:sp>
+      <p:sp>
+        <p:nvSpPr>
+          <p:cNvPr id="8" name="圆角矩形 7"/>
+          <p:cNvSpPr/>
+          <p:nvPr/>
+        </p:nvSpPr>
+        <p:spPr>
+          <a:xfrm>
+            <a:off x="3745865" y="2490470"/>
+            <a:ext cx="2990850" cy="1530350"/>
+          </a:xfrm>
+          <a:prstGeom prst="roundRect">
+            <a:avLst/>
+          </a:prstGeom>
+        </p:spPr>
+        <p:style>
+          <a:lnRef idx="2">
+            <a:schemeClr val="accent1">
+              <a:shade val="50000"/>
+            </a:schemeClr>
+          </a:lnRef>
+          <a:fillRef idx="1">
+            <a:schemeClr val="accent1"/>
+          </a:fillRef>
+          <a:effectRef idx="0">
+            <a:schemeClr val="accent1"/>
+          </a:effectRef>
+          <a:fontRef idx="minor">
+            <a:schemeClr val="lt1"/>
+          </a:fontRef>
+        </p:style>
+        <p:txBody>
+          <a:bodyPr rtlCol="0" anchor="ctr"/>
+          <a:p>
+            <a:pPr algn="ctr"/>
+            <a:r>
+              <a:rPr lang="en-US" altLang="zh-CN" sz="2400" b="1">
+                <a:latin typeface="Arial" panose="020B0604020202020204" pitchFamily="34" charset="0"/>
+                <a:cs typeface="Arial" panose="020B0604020202020204" pitchFamily="34" charset="0"/>
+              </a:rPr>
+              <a:t>Controller</a:t>
+            </a:r>
+            <a:endParaRPr lang="zh-CN" altLang="en-US" sz="2400" b="1">
+              <a:latin typeface="Arial" panose="020B0604020202020204" pitchFamily="34" charset="0"/>
+              <a:cs typeface="Arial" panose="020B0604020202020204" pitchFamily="34" charset="0"/>
+            </a:endParaRPr>
+          </a:p>
+          <a:p>
+            <a:pPr algn="ctr"/>
+            <a:r>
+              <a:rPr lang="en-US" altLang="zh-CN">
+                <a:latin typeface="Arial" panose="020B0604020202020204" pitchFamily="34" charset="0"/>
+                <a:cs typeface="Arial" panose="020B0604020202020204" pitchFamily="34" charset="0"/>
+              </a:rPr>
+              <a:t>(Spring Controller)</a:t>
+            </a:r>
+            <a:endParaRPr lang="zh-CN" altLang="en-US">
+              <a:latin typeface="Arial" panose="020B0604020202020204" pitchFamily="34" charset="0"/>
+              <a:cs typeface="Arial" panose="020B0604020202020204" pitchFamily="34" charset="0"/>
+            </a:endParaRPr>
+          </a:p>
+        </p:txBody>
+      </p:sp>
+      <p:sp>
+        <p:nvSpPr>
+          <p:cNvPr id="9" name="圆角矩形 8"/>
+          <p:cNvSpPr/>
+          <p:nvPr/>
+        </p:nvSpPr>
+        <p:spPr>
+          <a:xfrm>
+            <a:off x="7030720" y="4207510"/>
+            <a:ext cx="2990850" cy="1530350"/>
+          </a:xfrm>
+          <a:prstGeom prst="roundRect">
+            <a:avLst/>
+          </a:prstGeom>
+        </p:spPr>
+        <p:style>
+          <a:lnRef idx="2">
+            <a:schemeClr val="accent1">
+              <a:shade val="50000"/>
+            </a:schemeClr>
+          </a:lnRef>
+          <a:fillRef idx="1">
+            <a:schemeClr val="accent1"/>
+          </a:fillRef>
+          <a:effectRef idx="0">
+            <a:schemeClr val="accent1"/>
+          </a:effectRef>
+          <a:fontRef idx="minor">
+            <a:schemeClr val="lt1"/>
+          </a:fontRef>
+        </p:style>
+        <p:txBody>
+          <a:bodyPr rtlCol="0" anchor="ctr"/>
+          <a:p>
+            <a:pPr algn="ctr"/>
+            <a:r>
+              <a:rPr lang="en-US" altLang="zh-CN" sz="2400" b="1">
+                <a:latin typeface="Arial" panose="020B0604020202020204" pitchFamily="34" charset="0"/>
+                <a:cs typeface="Arial" panose="020B0604020202020204" pitchFamily="34" charset="0"/>
+              </a:rPr>
+              <a:t>Model</a:t>
+            </a:r>
+            <a:endParaRPr lang="zh-CN" altLang="en-US">
+              <a:latin typeface="Arial" panose="020B0604020202020204" pitchFamily="34" charset="0"/>
+              <a:cs typeface="Arial" panose="020B0604020202020204" pitchFamily="34" charset="0"/>
+            </a:endParaRPr>
+          </a:p>
+          <a:p>
+            <a:pPr algn="ctr"/>
+            <a:r>
+              <a:rPr lang="en-US" altLang="zh-CN">
+                <a:latin typeface="Arial" panose="020B0604020202020204" pitchFamily="34" charset="0"/>
+                <a:cs typeface="Arial" panose="020B0604020202020204" pitchFamily="34" charset="0"/>
+              </a:rPr>
+              <a:t>(service + dao)</a:t>
+            </a:r>
+            <a:endParaRPr lang="zh-CN" altLang="en-US">
+              <a:latin typeface="Arial" panose="020B0604020202020204" pitchFamily="34" charset="0"/>
+              <a:cs typeface="Arial" panose="020B0604020202020204" pitchFamily="34" charset="0"/>
+            </a:endParaRPr>
+          </a:p>
+        </p:txBody>
+      </p:sp>
+      <p:cxnSp>
+        <p:nvCxnSpPr>
+          <p:cNvPr id="11" name="直接箭头连接符 10"/>
+          <p:cNvCxnSpPr/>
+          <p:nvPr/>
+        </p:nvCxnSpPr>
+        <p:spPr>
+          <a:xfrm>
+            <a:off x="1610995" y="3137535"/>
+            <a:ext cx="2134870" cy="0"/>
+          </a:xfrm>
+          <a:prstGeom prst="straightConnector1">
+            <a:avLst/>
+          </a:prstGeom>
+          <a:ln w="38100">
+            <a:tailEnd type="arrow" w="med" len="med"/>
+          </a:ln>
+        </p:spPr>
+        <p:style>
+          <a:lnRef idx="3">
+            <a:schemeClr val="accent6"/>
+          </a:lnRef>
+          <a:fillRef idx="0">
+            <a:schemeClr val="accent6"/>
+          </a:fillRef>
+          <a:effectRef idx="2">
+            <a:schemeClr val="accent6"/>
+          </a:effectRef>
+          <a:fontRef idx="minor">
+            <a:schemeClr val="tx1"/>
+          </a:fontRef>
+        </p:style>
+      </p:cxnSp>
+      <p:cxnSp>
+        <p:nvCxnSpPr>
+          <p:cNvPr id="13" name="直接箭头连接符 12"/>
+          <p:cNvCxnSpPr/>
+          <p:nvPr/>
+        </p:nvCxnSpPr>
+        <p:spPr>
+          <a:xfrm>
+            <a:off x="5363845" y="4004945"/>
+            <a:ext cx="1666875" cy="823595"/>
+          </a:xfrm>
+          <a:prstGeom prst="straightConnector1">
+            <a:avLst/>
+          </a:prstGeom>
+          <a:ln w="38100">
+            <a:tailEnd type="arrow" w="med" len="med"/>
+          </a:ln>
+        </p:spPr>
+        <p:style>
+          <a:lnRef idx="3">
+            <a:schemeClr val="accent6"/>
+          </a:lnRef>
+          <a:fillRef idx="0">
+            <a:schemeClr val="accent6"/>
+          </a:fillRef>
+          <a:effectRef idx="2">
+            <a:schemeClr val="accent6"/>
+          </a:effectRef>
+          <a:fontRef idx="minor">
+            <a:schemeClr val="tx1"/>
+          </a:fontRef>
+        </p:style>
+      </p:cxnSp>
+      <p:cxnSp>
+        <p:nvCxnSpPr>
+          <p:cNvPr id="16" name="直接箭头连接符 15"/>
+          <p:cNvCxnSpPr/>
+          <p:nvPr/>
+        </p:nvCxnSpPr>
+        <p:spPr>
+          <a:xfrm flipH="1" flipV="1">
+            <a:off x="5062855" y="4034155"/>
+            <a:ext cx="1981200" cy="1059180"/>
+          </a:xfrm>
+          <a:prstGeom prst="straightConnector1">
+            <a:avLst/>
+          </a:prstGeom>
+          <a:ln w="38100">
+            <a:tailEnd type="arrow" w="med" len="med"/>
+          </a:ln>
+        </p:spPr>
+        <p:style>
+          <a:lnRef idx="3">
+            <a:schemeClr val="accent6"/>
+          </a:lnRef>
+          <a:fillRef idx="0">
+            <a:schemeClr val="accent6"/>
+          </a:fillRef>
+          <a:effectRef idx="2">
+            <a:schemeClr val="accent6"/>
+          </a:effectRef>
+          <a:fontRef idx="minor">
+            <a:schemeClr val="tx1"/>
+          </a:fontRef>
+        </p:style>
+      </p:cxnSp>
+      <p:cxnSp>
+        <p:nvCxnSpPr>
+          <p:cNvPr id="17" name="直接箭头连接符 16"/>
+          <p:cNvCxnSpPr/>
+          <p:nvPr/>
+        </p:nvCxnSpPr>
+        <p:spPr>
+          <a:xfrm flipV="1">
+            <a:off x="5432425" y="1748790"/>
+            <a:ext cx="1588770" cy="755015"/>
+          </a:xfrm>
+          <a:prstGeom prst="straightConnector1">
+            <a:avLst/>
+          </a:prstGeom>
+          <a:ln w="38100">
+            <a:tailEnd type="arrow" w="med" len="med"/>
+          </a:ln>
+        </p:spPr>
+        <p:style>
+          <a:lnRef idx="3">
+            <a:schemeClr val="accent6"/>
+          </a:lnRef>
+          <a:fillRef idx="0">
+            <a:schemeClr val="accent6"/>
+          </a:fillRef>
+          <a:effectRef idx="2">
+            <a:schemeClr val="accent6"/>
+          </a:effectRef>
+          <a:fontRef idx="minor">
+            <a:schemeClr val="tx1"/>
+          </a:fontRef>
+        </p:style>
+      </p:cxnSp>
+      <p:cxnSp>
+        <p:nvCxnSpPr>
+          <p:cNvPr id="18" name="直接箭头连接符 17"/>
+          <p:cNvCxnSpPr/>
+          <p:nvPr/>
+        </p:nvCxnSpPr>
+        <p:spPr>
+          <a:xfrm flipH="1">
+            <a:off x="5059680" y="1483995"/>
+            <a:ext cx="1941830" cy="990600"/>
+          </a:xfrm>
+          <a:prstGeom prst="straightConnector1">
+            <a:avLst/>
+          </a:prstGeom>
+          <a:ln w="38100">
+            <a:tailEnd type="arrow" w="med" len="med"/>
+          </a:ln>
+        </p:spPr>
+        <p:style>
+          <a:lnRef idx="3">
+            <a:schemeClr val="accent6"/>
+          </a:lnRef>
+          <a:fillRef idx="0">
+            <a:schemeClr val="accent6"/>
+          </a:fillRef>
+          <a:effectRef idx="2">
+            <a:schemeClr val="accent6"/>
+          </a:effectRef>
+          <a:fontRef idx="minor">
+            <a:schemeClr val="tx1"/>
+          </a:fontRef>
+        </p:style>
+      </p:cxnSp>
+      <p:cxnSp>
+        <p:nvCxnSpPr>
+          <p:cNvPr id="20" name="直接箭头连接符 19"/>
+          <p:cNvCxnSpPr/>
+          <p:nvPr/>
+        </p:nvCxnSpPr>
+        <p:spPr>
+          <a:xfrm flipH="1">
+            <a:off x="1600200" y="3291840"/>
+            <a:ext cx="2128520" cy="0"/>
+          </a:xfrm>
+          <a:prstGeom prst="straightConnector1">
+            <a:avLst/>
+          </a:prstGeom>
+          <a:ln w="38100">
+            <a:tailEnd type="arrow" w="med" len="med"/>
+          </a:ln>
+        </p:spPr>
+        <p:style>
+          <a:lnRef idx="3">
+            <a:schemeClr val="accent6"/>
+          </a:lnRef>
+          <a:fillRef idx="0">
+            <a:schemeClr val="accent6"/>
+          </a:fillRef>
+          <a:effectRef idx="2">
+            <a:schemeClr val="accent6"/>
+          </a:effectRef>
+          <a:fontRef idx="minor">
+            <a:schemeClr val="tx1"/>
+          </a:fontRef>
+        </p:style>
+      </p:cxnSp>
+      <p:sp>
+        <p:nvSpPr>
+          <p:cNvPr id="21" name="椭圆 20"/>
+          <p:cNvSpPr/>
+          <p:nvPr/>
+        </p:nvSpPr>
+        <p:spPr>
+          <a:xfrm>
+            <a:off x="2482850" y="2895600"/>
+            <a:ext cx="205740" cy="205740"/>
+          </a:xfrm>
+          <a:prstGeom prst="ellipse">
+            <a:avLst/>
+          </a:prstGeom>
+        </p:spPr>
+        <p:style>
+          <a:lnRef idx="2">
+            <a:schemeClr val="accent2">
+              <a:shade val="50000"/>
+            </a:schemeClr>
+          </a:lnRef>
+          <a:fillRef idx="1">
+            <a:schemeClr val="accent2"/>
+          </a:fillRef>
+          <a:effectRef idx="0">
+            <a:schemeClr val="accent2"/>
+          </a:effectRef>
+          <a:fontRef idx="minor">
+            <a:schemeClr val="lt1"/>
+          </a:fontRef>
+        </p:style>
+        <p:txBody>
+          <a:bodyPr rtlCol="0" anchor="ctr"/>
+          <a:p>
+            <a:pPr algn="ctr"/>
+            <a:r>
+              <a:rPr lang="en-US" altLang="zh-CN"/>
+              <a:t>1</a:t>
+            </a:r>
+            <a:endParaRPr lang="en-US" altLang="zh-CN"/>
+          </a:p>
+        </p:txBody>
+      </p:sp>
+      <p:sp>
+        <p:nvSpPr>
+          <p:cNvPr id="22" name="椭圆 21"/>
+          <p:cNvSpPr/>
+          <p:nvPr/>
+        </p:nvSpPr>
+        <p:spPr>
+          <a:xfrm>
+            <a:off x="5971540" y="4083685"/>
+            <a:ext cx="205740" cy="205740"/>
+          </a:xfrm>
+          <a:prstGeom prst="ellipse">
+            <a:avLst/>
+          </a:prstGeom>
+        </p:spPr>
+        <p:style>
+          <a:lnRef idx="2">
+            <a:schemeClr val="accent2">
+              <a:shade val="50000"/>
+            </a:schemeClr>
+          </a:lnRef>
+          <a:fillRef idx="1">
+            <a:schemeClr val="accent2"/>
+          </a:fillRef>
+          <a:effectRef idx="0">
+            <a:schemeClr val="accent2"/>
+          </a:effectRef>
+          <a:fontRef idx="minor">
+            <a:schemeClr val="lt1"/>
+          </a:fontRef>
+        </p:style>
+        <p:txBody>
+          <a:bodyPr rtlCol="0" anchor="ctr"/>
+          <a:p>
+            <a:pPr algn="ctr"/>
+            <a:r>
+              <a:rPr lang="en-US" altLang="zh-CN"/>
+              <a:t>2</a:t>
+            </a:r>
+            <a:endParaRPr lang="en-US" altLang="zh-CN"/>
+          </a:p>
+        </p:txBody>
+      </p:sp>
+      <p:sp>
+        <p:nvSpPr>
+          <p:cNvPr id="25" name="椭圆 24"/>
+          <p:cNvSpPr/>
+          <p:nvPr/>
+        </p:nvSpPr>
+        <p:spPr>
+          <a:xfrm>
+            <a:off x="6198870" y="4784090"/>
+            <a:ext cx="205740" cy="205740"/>
+          </a:xfrm>
+          <a:prstGeom prst="ellipse">
+            <a:avLst/>
+          </a:prstGeom>
+        </p:spPr>
+        <p:style>
+          <a:lnRef idx="2">
+            <a:schemeClr val="accent2">
+              <a:shade val="50000"/>
+            </a:schemeClr>
+          </a:lnRef>
+          <a:fillRef idx="1">
+            <a:schemeClr val="accent2"/>
+          </a:fillRef>
+          <a:effectRef idx="0">
+            <a:schemeClr val="accent2"/>
+          </a:effectRef>
+          <a:fontRef idx="minor">
+            <a:schemeClr val="lt1"/>
+          </a:fontRef>
+        </p:style>
+        <p:txBody>
+          <a:bodyPr rtlCol="0" anchor="ctr"/>
+          <a:p>
+            <a:pPr algn="ctr"/>
+            <a:r>
+              <a:rPr lang="en-US" altLang="zh-CN"/>
+              <a:t>3</a:t>
+            </a:r>
+            <a:endParaRPr lang="en-US" altLang="zh-CN"/>
+          </a:p>
+        </p:txBody>
+      </p:sp>
+      <p:sp>
+        <p:nvSpPr>
+          <p:cNvPr id="30" name="椭圆 29"/>
+          <p:cNvSpPr/>
+          <p:nvPr/>
+        </p:nvSpPr>
+        <p:spPr>
+          <a:xfrm>
+            <a:off x="5983605" y="2251710"/>
+            <a:ext cx="205740" cy="205740"/>
+          </a:xfrm>
+          <a:prstGeom prst="ellipse">
+            <a:avLst/>
+          </a:prstGeom>
+        </p:spPr>
+        <p:style>
+          <a:lnRef idx="2">
+            <a:schemeClr val="accent2">
+              <a:shade val="50000"/>
+            </a:schemeClr>
+          </a:lnRef>
+          <a:fillRef idx="1">
+            <a:schemeClr val="accent2"/>
+          </a:fillRef>
+          <a:effectRef idx="0">
+            <a:schemeClr val="accent2"/>
+          </a:effectRef>
+          <a:fontRef idx="minor">
+            <a:schemeClr val="lt1"/>
+          </a:fontRef>
+        </p:style>
+        <p:txBody>
+          <a:bodyPr rtlCol="0" anchor="ctr"/>
+          <a:p>
+            <a:pPr algn="ctr"/>
+            <a:r>
+              <a:rPr lang="en-US" altLang="zh-CN"/>
+              <a:t>4</a:t>
+            </a:r>
+            <a:endParaRPr lang="en-US" altLang="zh-CN"/>
+          </a:p>
+        </p:txBody>
+      </p:sp>
+      <p:sp>
+        <p:nvSpPr>
+          <p:cNvPr id="31" name="椭圆 30"/>
+          <p:cNvSpPr/>
+          <p:nvPr/>
+        </p:nvSpPr>
+        <p:spPr>
+          <a:xfrm>
+            <a:off x="6297295" y="1485900"/>
+            <a:ext cx="205740" cy="205740"/>
+          </a:xfrm>
+          <a:prstGeom prst="ellipse">
+            <a:avLst/>
+          </a:prstGeom>
+        </p:spPr>
+        <p:style>
+          <a:lnRef idx="2">
+            <a:schemeClr val="accent2">
+              <a:shade val="50000"/>
+            </a:schemeClr>
+          </a:lnRef>
+          <a:fillRef idx="1">
+            <a:schemeClr val="accent2"/>
+          </a:fillRef>
+          <a:effectRef idx="0">
+            <a:schemeClr val="accent2"/>
+          </a:effectRef>
+          <a:fontRef idx="minor">
+            <a:schemeClr val="lt1"/>
+          </a:fontRef>
+        </p:style>
+        <p:txBody>
+          <a:bodyPr rtlCol="0" anchor="ctr"/>
+          <a:p>
+            <a:pPr algn="ctr"/>
+            <a:r>
+              <a:rPr lang="en-US" altLang="zh-CN"/>
+              <a:t>5</a:t>
+            </a:r>
+            <a:endParaRPr lang="en-US" altLang="zh-CN"/>
+          </a:p>
+        </p:txBody>
+      </p:sp>
+      <p:sp>
+        <p:nvSpPr>
+          <p:cNvPr id="32" name="椭圆 31"/>
+          <p:cNvSpPr/>
+          <p:nvPr/>
+        </p:nvSpPr>
+        <p:spPr>
+          <a:xfrm>
+            <a:off x="3000375" y="3339465"/>
+            <a:ext cx="205740" cy="205740"/>
+          </a:xfrm>
+          <a:prstGeom prst="ellipse">
+            <a:avLst/>
+          </a:prstGeom>
+        </p:spPr>
+        <p:style>
+          <a:lnRef idx="2">
+            <a:schemeClr val="accent2">
+              <a:shade val="50000"/>
+            </a:schemeClr>
+          </a:lnRef>
+          <a:fillRef idx="1">
+            <a:schemeClr val="accent2"/>
+          </a:fillRef>
+          <a:effectRef idx="0">
+            <a:schemeClr val="accent2"/>
+          </a:effectRef>
+          <a:fontRef idx="minor">
+            <a:schemeClr val="lt1"/>
+          </a:fontRef>
+        </p:style>
+        <p:txBody>
+          <a:bodyPr rtlCol="0" anchor="ctr"/>
+          <a:p>
+            <a:pPr algn="ctr"/>
+            <a:r>
+              <a:rPr lang="en-US" altLang="zh-CN"/>
+              <a:t>6</a:t>
+            </a:r>
+            <a:endParaRPr lang="en-US" altLang="zh-CN"/>
+          </a:p>
+        </p:txBody>
+      </p:sp>
+      <p:sp>
+        <p:nvSpPr>
+          <p:cNvPr id="33" name="文本框 32"/>
+          <p:cNvSpPr txBox="1"/>
+          <p:nvPr/>
+        </p:nvSpPr>
+        <p:spPr>
+          <a:xfrm>
+            <a:off x="511175" y="2987675"/>
+            <a:ext cx="868680" cy="368300"/>
+          </a:xfrm>
+          <a:prstGeom prst="rect">
+            <a:avLst/>
+          </a:prstGeom>
+          <a:noFill/>
+        </p:spPr>
+        <p:txBody>
+          <a:bodyPr wrap="none" rtlCol="0">
+            <a:spAutoFit/>
+          </a:bodyPr>
+          <a:p>
+            <a:r>
+              <a:rPr lang="zh-CN" altLang="en-US"/>
+              <a:t>浏览器</a:t>
+            </a:r>
+            <a:endParaRPr lang="zh-CN" altLang="en-US"/>
+          </a:p>
+        </p:txBody>
+      </p:sp>
+    </p:spTree>
+  </p:cSld>
+  <p:clrMapOvr>
+    <a:masterClrMapping/>
+  </p:clrMapOvr>
+</p:sld>
+</file>
+
+<file path=ppt/slides/slide4.xml><?xml version="1.0" encoding="utf-8"?>
+<p:sld xmlns:a="http://schemas.openxmlformats.org/drawingml/2006/main" xmlns:r="http://schemas.openxmlformats.org/officeDocument/2006/relationships" xmlns:p="http://schemas.openxmlformats.org/presentationml/2006/main">
+  <p:cSld>
+    <p:spTree>
+      <p:nvGrpSpPr>
+        <p:cNvPr id="1" name=""/>
+        <p:cNvGrpSpPr/>
+        <p:nvPr/>
+      </p:nvGrpSpPr>
+      <p:grpSpPr/>
+      <p:sp>
+        <p:nvSpPr>
+          <p:cNvPr id="10" name="矩形 9"/>
+          <p:cNvSpPr/>
+          <p:nvPr/>
+        </p:nvSpPr>
+        <p:spPr>
+          <a:xfrm>
+            <a:off x="2842895" y="157480"/>
+            <a:ext cx="9171305" cy="6542405"/>
+          </a:xfrm>
+          <a:prstGeom prst="rect">
+            <a:avLst/>
+          </a:prstGeom>
+        </p:spPr>
+        <p:style>
+          <a:lnRef idx="1">
+            <a:schemeClr val="accent3"/>
+          </a:lnRef>
+          <a:fillRef idx="2">
+            <a:schemeClr val="accent3"/>
+          </a:fillRef>
+          <a:effectRef idx="1">
+            <a:schemeClr val="accent3"/>
+          </a:effectRef>
+          <a:fontRef idx="minor">
+            <a:schemeClr val="dk1"/>
+          </a:fontRef>
+        </p:style>
+        <p:txBody>
+          <a:bodyPr rtlCol="0" anchor="ctr"/>
+          <a:p>
+            <a:pPr algn="ctr"/>
+            <a:endParaRPr lang="zh-CN" altLang="en-US">
+              <a:latin typeface="Calibri" panose="020F0502020204030204" charset="0"/>
+            </a:endParaRPr>
+          </a:p>
+        </p:txBody>
+      </p:sp>
+      <p:sp>
+        <p:nvSpPr>
+          <p:cNvPr id="2" name="文本框 1"/>
+          <p:cNvSpPr txBox="1"/>
+          <p:nvPr/>
+        </p:nvSpPr>
+        <p:spPr>
+          <a:xfrm>
+            <a:off x="-1270" y="-4445"/>
+            <a:ext cx="2468880" cy="645160"/>
+          </a:xfrm>
+          <a:prstGeom prst="rect">
+            <a:avLst/>
+          </a:prstGeom>
+          <a:noFill/>
+        </p:spPr>
+        <p:txBody>
+          <a:bodyPr wrap="none" rtlCol="0">
+            <a:spAutoFit/>
+          </a:bodyPr>
+          <a:p>
+            <a:r>
+              <a:rPr lang="en-US" altLang="zh-CN"/>
+              <a:t>2.2.3.</a:t>
+            </a:r>
+            <a:r>
+              <a:rPr lang="zh-CN" altLang="en-US"/>
+              <a:t>软件</a:t>
+            </a:r>
+            <a:r>
+              <a:rPr lang="zh-CN" altLang="zh-CN"/>
+              <a:t>架构说明</a:t>
+            </a:r>
+            <a:endParaRPr lang="zh-CN" altLang="zh-CN"/>
+          </a:p>
+          <a:p>
+            <a:r>
+              <a:rPr lang="zh-CN" altLang="zh-CN"/>
+              <a:t>（请求数据【异步】）</a:t>
+            </a:r>
+            <a:endParaRPr lang="zh-CN" altLang="zh-CN"/>
+          </a:p>
+        </p:txBody>
+      </p:sp>
+      <p:pic>
+        <p:nvPicPr>
+          <p:cNvPr id="4" name="图片 3" descr="browser"/>
+          <p:cNvPicPr>
+            <a:picLocks noChangeAspect="1"/>
+          </p:cNvPicPr>
+          <p:nvPr>
+            <p:custDataLst>
+              <p:tags r:id="rId1"/>
+            </p:custDataLst>
+          </p:nvPr>
+        </p:nvPicPr>
+        <p:blipFill>
+          <a:blip r:embed="rId2"/>
+          <a:stretch>
+            <a:fillRect/>
+          </a:stretch>
+        </p:blipFill>
+        <p:spPr>
+          <a:xfrm>
+            <a:off x="299720" y="2628265"/>
+            <a:ext cx="1307465" cy="1307465"/>
+          </a:xfrm>
+          <a:prstGeom prst="rect">
+            <a:avLst/>
+          </a:prstGeom>
+        </p:spPr>
+      </p:pic>
+      <p:sp>
+        <p:nvSpPr>
+          <p:cNvPr id="8" name="圆角矩形 7"/>
+          <p:cNvSpPr/>
+          <p:nvPr/>
+        </p:nvSpPr>
+        <p:spPr>
+          <a:xfrm>
+            <a:off x="3745865" y="2490470"/>
+            <a:ext cx="2990850" cy="1530350"/>
+          </a:xfrm>
+          <a:prstGeom prst="roundRect">
+            <a:avLst/>
+          </a:prstGeom>
+        </p:spPr>
+        <p:style>
+          <a:lnRef idx="2">
+            <a:schemeClr val="accent1">
+              <a:shade val="50000"/>
+            </a:schemeClr>
+          </a:lnRef>
+          <a:fillRef idx="1">
+            <a:schemeClr val="accent1"/>
+          </a:fillRef>
+          <a:effectRef idx="0">
+            <a:schemeClr val="accent1"/>
+          </a:effectRef>
+          <a:fontRef idx="minor">
+            <a:schemeClr val="lt1"/>
+          </a:fontRef>
+        </p:style>
+        <p:txBody>
+          <a:bodyPr rtlCol="0" anchor="ctr"/>
+          <a:p>
+            <a:pPr algn="ctr"/>
+            <a:r>
+              <a:rPr lang="en-US" altLang="zh-CN" sz="2400" b="1">
+                <a:latin typeface="Arial" panose="020B0604020202020204" pitchFamily="34" charset="0"/>
+                <a:cs typeface="Arial" panose="020B0604020202020204" pitchFamily="34" charset="0"/>
+              </a:rPr>
+              <a:t>Controller</a:t>
+            </a:r>
+            <a:endParaRPr lang="zh-CN" altLang="en-US" sz="2400" b="1">
+              <a:latin typeface="Arial" panose="020B0604020202020204" pitchFamily="34" charset="0"/>
+              <a:cs typeface="Arial" panose="020B0604020202020204" pitchFamily="34" charset="0"/>
+            </a:endParaRPr>
+          </a:p>
+          <a:p>
+            <a:pPr algn="ctr"/>
+            <a:r>
+              <a:rPr lang="en-US" altLang="zh-CN">
+                <a:latin typeface="Arial" panose="020B0604020202020204" pitchFamily="34" charset="0"/>
+                <a:cs typeface="Arial" panose="020B0604020202020204" pitchFamily="34" charset="0"/>
+              </a:rPr>
+              <a:t>(Spring Controller)</a:t>
+            </a:r>
+            <a:endParaRPr lang="zh-CN" altLang="en-US">
+              <a:latin typeface="Arial" panose="020B0604020202020204" pitchFamily="34" charset="0"/>
+              <a:cs typeface="Arial" panose="020B0604020202020204" pitchFamily="34" charset="0"/>
+            </a:endParaRPr>
+          </a:p>
+        </p:txBody>
+      </p:sp>
+      <p:sp>
+        <p:nvSpPr>
+          <p:cNvPr id="9" name="圆角矩形 8"/>
+          <p:cNvSpPr/>
+          <p:nvPr/>
+        </p:nvSpPr>
+        <p:spPr>
+          <a:xfrm>
+            <a:off x="8148955" y="2474595"/>
+            <a:ext cx="2990850" cy="1530350"/>
+          </a:xfrm>
+          <a:prstGeom prst="roundRect">
+            <a:avLst/>
+          </a:prstGeom>
+        </p:spPr>
+        <p:style>
+          <a:lnRef idx="2">
+            <a:schemeClr val="accent1">
+              <a:shade val="50000"/>
+            </a:schemeClr>
+          </a:lnRef>
+          <a:fillRef idx="1">
+            <a:schemeClr val="accent1"/>
+          </a:fillRef>
+          <a:effectRef idx="0">
+            <a:schemeClr val="accent1"/>
+          </a:effectRef>
+          <a:fontRef idx="minor">
+            <a:schemeClr val="lt1"/>
+          </a:fontRef>
+        </p:style>
+        <p:txBody>
+          <a:bodyPr rtlCol="0" anchor="ctr"/>
+          <a:p>
+            <a:pPr algn="ctr"/>
+            <a:r>
+              <a:rPr lang="en-US" altLang="zh-CN" sz="2400" b="1">
+                <a:latin typeface="Arial" panose="020B0604020202020204" pitchFamily="34" charset="0"/>
+                <a:cs typeface="Arial" panose="020B0604020202020204" pitchFamily="34" charset="0"/>
+              </a:rPr>
+              <a:t>Model</a:t>
+            </a:r>
+            <a:endParaRPr lang="zh-CN" altLang="en-US">
+              <a:latin typeface="Arial" panose="020B0604020202020204" pitchFamily="34" charset="0"/>
+              <a:cs typeface="Arial" panose="020B0604020202020204" pitchFamily="34" charset="0"/>
+            </a:endParaRPr>
+          </a:p>
+          <a:p>
+            <a:pPr algn="ctr"/>
+            <a:r>
+              <a:rPr lang="en-US" altLang="zh-CN">
+                <a:latin typeface="Arial" panose="020B0604020202020204" pitchFamily="34" charset="0"/>
+                <a:cs typeface="Arial" panose="020B0604020202020204" pitchFamily="34" charset="0"/>
+              </a:rPr>
+              <a:t>(service + dao)</a:t>
+            </a:r>
+            <a:endParaRPr lang="zh-CN" altLang="en-US">
+              <a:latin typeface="Arial" panose="020B0604020202020204" pitchFamily="34" charset="0"/>
+              <a:cs typeface="Arial" panose="020B0604020202020204" pitchFamily="34" charset="0"/>
+            </a:endParaRPr>
+          </a:p>
+        </p:txBody>
+      </p:sp>
+      <p:cxnSp>
+        <p:nvCxnSpPr>
+          <p:cNvPr id="11" name="直接箭头连接符 10"/>
+          <p:cNvCxnSpPr/>
+          <p:nvPr/>
+        </p:nvCxnSpPr>
+        <p:spPr>
+          <a:xfrm>
+            <a:off x="1610995" y="3137535"/>
+            <a:ext cx="2134870" cy="0"/>
+          </a:xfrm>
+          <a:prstGeom prst="straightConnector1">
+            <a:avLst/>
+          </a:prstGeom>
+          <a:ln w="38100">
+            <a:tailEnd type="arrow" w="med" len="med"/>
+          </a:ln>
+        </p:spPr>
+        <p:style>
+          <a:lnRef idx="3">
+            <a:schemeClr val="accent6"/>
+          </a:lnRef>
+          <a:fillRef idx="0">
+            <a:schemeClr val="accent6"/>
+          </a:fillRef>
+          <a:effectRef idx="2">
+            <a:schemeClr val="accent6"/>
+          </a:effectRef>
+          <a:fontRef idx="minor">
+            <a:schemeClr val="tx1"/>
+          </a:fontRef>
+        </p:style>
+      </p:cxnSp>
+      <p:cxnSp>
+        <p:nvCxnSpPr>
+          <p:cNvPr id="13" name="直接箭头连接符 12"/>
+          <p:cNvCxnSpPr/>
+          <p:nvPr/>
+        </p:nvCxnSpPr>
+        <p:spPr>
+          <a:xfrm>
+            <a:off x="6746240" y="3101340"/>
+            <a:ext cx="1396365" cy="1270"/>
+          </a:xfrm>
+          <a:prstGeom prst="straightConnector1">
+            <a:avLst/>
+          </a:prstGeom>
+          <a:ln w="38100">
+            <a:tailEnd type="arrow" w="med" len="med"/>
+          </a:ln>
+        </p:spPr>
+        <p:style>
+          <a:lnRef idx="3">
+            <a:schemeClr val="accent6"/>
+          </a:lnRef>
+          <a:fillRef idx="0">
+            <a:schemeClr val="accent6"/>
+          </a:fillRef>
+          <a:effectRef idx="2">
+            <a:schemeClr val="accent6"/>
+          </a:effectRef>
+          <a:fontRef idx="minor">
+            <a:schemeClr val="tx1"/>
+          </a:fontRef>
+        </p:style>
+      </p:cxnSp>
+      <p:cxnSp>
+        <p:nvCxnSpPr>
+          <p:cNvPr id="16" name="直接箭头连接符 15"/>
+          <p:cNvCxnSpPr/>
+          <p:nvPr/>
+        </p:nvCxnSpPr>
+        <p:spPr>
+          <a:xfrm flipH="1">
+            <a:off x="6727190" y="3249295"/>
+            <a:ext cx="1412240" cy="15875"/>
+          </a:xfrm>
+          <a:prstGeom prst="straightConnector1">
+            <a:avLst/>
+          </a:prstGeom>
+          <a:ln w="38100">
+            <a:tailEnd type="arrow" w="med" len="med"/>
+          </a:ln>
+        </p:spPr>
+        <p:style>
+          <a:lnRef idx="3">
+            <a:schemeClr val="accent6"/>
+          </a:lnRef>
+          <a:fillRef idx="0">
+            <a:schemeClr val="accent6"/>
+          </a:fillRef>
+          <a:effectRef idx="2">
+            <a:schemeClr val="accent6"/>
+          </a:effectRef>
+          <a:fontRef idx="minor">
+            <a:schemeClr val="tx1"/>
+          </a:fontRef>
+        </p:style>
+      </p:cxnSp>
+      <p:cxnSp>
+        <p:nvCxnSpPr>
+          <p:cNvPr id="20" name="直接箭头连接符 19"/>
+          <p:cNvCxnSpPr/>
+          <p:nvPr/>
+        </p:nvCxnSpPr>
+        <p:spPr>
+          <a:xfrm flipH="1">
+            <a:off x="1600200" y="3291840"/>
+            <a:ext cx="2128520" cy="0"/>
+          </a:xfrm>
+          <a:prstGeom prst="straightConnector1">
+            <a:avLst/>
+          </a:prstGeom>
+          <a:ln w="38100">
+            <a:tailEnd type="arrow" w="med" len="med"/>
+          </a:ln>
+        </p:spPr>
+        <p:style>
+          <a:lnRef idx="3">
+            <a:schemeClr val="accent6"/>
+          </a:lnRef>
+          <a:fillRef idx="0">
+            <a:schemeClr val="accent6"/>
+          </a:fillRef>
+          <a:effectRef idx="2">
+            <a:schemeClr val="accent6"/>
+          </a:effectRef>
+          <a:fontRef idx="minor">
+            <a:schemeClr val="tx1"/>
+          </a:fontRef>
+        </p:style>
+      </p:cxnSp>
+      <p:sp>
+        <p:nvSpPr>
+          <p:cNvPr id="21" name="椭圆 20"/>
+          <p:cNvSpPr/>
+          <p:nvPr/>
+        </p:nvSpPr>
+        <p:spPr>
+          <a:xfrm>
+            <a:off x="2482850" y="2895600"/>
+            <a:ext cx="205740" cy="205740"/>
+          </a:xfrm>
+          <a:prstGeom prst="ellipse">
+            <a:avLst/>
+          </a:prstGeom>
+        </p:spPr>
+        <p:style>
+          <a:lnRef idx="2">
+            <a:schemeClr val="accent2">
+              <a:shade val="50000"/>
+            </a:schemeClr>
+          </a:lnRef>
+          <a:fillRef idx="1">
+            <a:schemeClr val="accent2"/>
+          </a:fillRef>
+          <a:effectRef idx="0">
+            <a:schemeClr val="accent2"/>
+          </a:effectRef>
+          <a:fontRef idx="minor">
+            <a:schemeClr val="lt1"/>
+          </a:fontRef>
+        </p:style>
+        <p:txBody>
+          <a:bodyPr rtlCol="0" anchor="ctr"/>
+          <a:p>
+            <a:pPr algn="ctr"/>
+            <a:r>
+              <a:rPr lang="en-US" altLang="zh-CN"/>
+              <a:t>1</a:t>
+            </a:r>
+            <a:endParaRPr lang="en-US" altLang="zh-CN"/>
+          </a:p>
+        </p:txBody>
+      </p:sp>
+      <p:sp>
+        <p:nvSpPr>
+          <p:cNvPr id="22" name="椭圆 21"/>
+          <p:cNvSpPr/>
+          <p:nvPr/>
+        </p:nvSpPr>
+        <p:spPr>
+          <a:xfrm>
+            <a:off x="7030720" y="2867025"/>
+            <a:ext cx="205740" cy="205740"/>
+          </a:xfrm>
+          <a:prstGeom prst="ellipse">
+            <a:avLst/>
+          </a:prstGeom>
+        </p:spPr>
+        <p:style>
+          <a:lnRef idx="2">
+            <a:schemeClr val="accent2">
+              <a:shade val="50000"/>
+            </a:schemeClr>
+          </a:lnRef>
+          <a:fillRef idx="1">
+            <a:schemeClr val="accent2"/>
+          </a:fillRef>
+          <a:effectRef idx="0">
+            <a:schemeClr val="accent2"/>
+          </a:effectRef>
+          <a:fontRef idx="minor">
+            <a:schemeClr val="lt1"/>
+          </a:fontRef>
+        </p:style>
+        <p:txBody>
+          <a:bodyPr rtlCol="0" anchor="ctr"/>
+          <a:p>
+            <a:pPr algn="ctr"/>
+            <a:r>
+              <a:rPr lang="en-US" altLang="zh-CN"/>
+              <a:t>2</a:t>
+            </a:r>
+            <a:endParaRPr lang="en-US" altLang="zh-CN"/>
+          </a:p>
+        </p:txBody>
+      </p:sp>
+      <p:sp>
+        <p:nvSpPr>
+          <p:cNvPr id="25" name="椭圆 24"/>
+          <p:cNvSpPr/>
+          <p:nvPr/>
+        </p:nvSpPr>
+        <p:spPr>
+          <a:xfrm>
+            <a:off x="7609205" y="3287395"/>
+            <a:ext cx="205740" cy="205740"/>
+          </a:xfrm>
+          <a:prstGeom prst="ellipse">
+            <a:avLst/>
+          </a:prstGeom>
+        </p:spPr>
+        <p:style>
+          <a:lnRef idx="2">
+            <a:schemeClr val="accent2">
+              <a:shade val="50000"/>
+            </a:schemeClr>
+          </a:lnRef>
+          <a:fillRef idx="1">
+            <a:schemeClr val="accent2"/>
+          </a:fillRef>
+          <a:effectRef idx="0">
+            <a:schemeClr val="accent2"/>
+          </a:effectRef>
+          <a:fontRef idx="minor">
+            <a:schemeClr val="lt1"/>
+          </a:fontRef>
+        </p:style>
+        <p:txBody>
+          <a:bodyPr rtlCol="0" anchor="ctr"/>
+          <a:p>
+            <a:pPr algn="ctr"/>
+            <a:r>
+              <a:rPr lang="en-US" altLang="zh-CN"/>
+              <a:t>3</a:t>
+            </a:r>
+            <a:endParaRPr lang="en-US" altLang="zh-CN"/>
+          </a:p>
+        </p:txBody>
+      </p:sp>
+      <p:sp>
+        <p:nvSpPr>
+          <p:cNvPr id="30" name="椭圆 29"/>
+          <p:cNvSpPr/>
+          <p:nvPr/>
+        </p:nvSpPr>
+        <p:spPr>
+          <a:xfrm>
+            <a:off x="3001645" y="3355975"/>
+            <a:ext cx="205740" cy="205740"/>
+          </a:xfrm>
+          <a:prstGeom prst="ellipse">
+            <a:avLst/>
+          </a:prstGeom>
+        </p:spPr>
+        <p:style>
+          <a:lnRef idx="2">
+            <a:schemeClr val="accent2">
+              <a:shade val="50000"/>
+            </a:schemeClr>
+          </a:lnRef>
+          <a:fillRef idx="1">
+            <a:schemeClr val="accent2"/>
+          </a:fillRef>
+          <a:effectRef idx="0">
+            <a:schemeClr val="accent2"/>
+          </a:effectRef>
+          <a:fontRef idx="minor">
+            <a:schemeClr val="lt1"/>
+          </a:fontRef>
+        </p:style>
+        <p:txBody>
+          <a:bodyPr rtlCol="0" anchor="ctr"/>
+          <a:p>
+            <a:pPr algn="ctr"/>
+            <a:r>
+              <a:rPr lang="en-US" altLang="zh-CN"/>
+              <a:t>4</a:t>
+            </a:r>
+            <a:endParaRPr lang="en-US" altLang="zh-CN"/>
+          </a:p>
+        </p:txBody>
+      </p:sp>
+      <p:sp>
+        <p:nvSpPr>
+          <p:cNvPr id="33" name="文本框 32"/>
+          <p:cNvSpPr txBox="1"/>
+          <p:nvPr/>
+        </p:nvSpPr>
+        <p:spPr>
+          <a:xfrm>
+            <a:off x="511175" y="2987675"/>
+            <a:ext cx="868680" cy="368300"/>
+          </a:xfrm>
+          <a:prstGeom prst="rect">
+            <a:avLst/>
+          </a:prstGeom>
+          <a:noFill/>
+        </p:spPr>
+        <p:txBody>
+          <a:bodyPr wrap="none" rtlCol="0">
+            <a:spAutoFit/>
+          </a:bodyPr>
+          <a:p>
+            <a:r>
+              <a:rPr lang="zh-CN" altLang="en-US"/>
+              <a:t>浏览器</a:t>
+            </a:r>
             <a:endParaRPr lang="zh-CN" altLang="en-US"/>
           </a:p>
         </p:txBody>
@@ -10091,6 +11377,12 @@
 </file>
 
 <file path=ppt/tags/tag1.xml><?xml version="1.0" encoding="utf-8"?>
+<p:tagLst xmlns:p="http://schemas.openxmlformats.org/presentationml/2006/main">
+  <p:tag name="REFSHAPE" val="187166140"/>
+</p:tagLst>
+</file>
+
+<file path=ppt/tags/tag2.xml><?xml version="1.0" encoding="utf-8"?>
 <p:tagLst xmlns:p="http://schemas.openxmlformats.org/presentationml/2006/main">
   <p:tag name="REFSHAPE" val="187166140"/>
 </p:tagLst>

--- a/文档/图例/概要设计.pptx
+++ b/文档/图例/概要设计.pptx
@@ -7,7 +7,6 @@
   <p:sldIdLst>
     <p:sldId id="256" r:id="rId3"/>
     <p:sldId id="257" r:id="rId4"/>
-    <p:sldId id="258" r:id="rId5"/>
   </p:sldIdLst>
   <p:sldSz cx="12192000" cy="6858000"/>
   <p:notesSz cx="6858000" cy="9144000"/>
@@ -9968,134 +9967,6 @@
 </p:sld>
 </file>
 
-<file path=ppt/slides/slide3.xml><?xml version="1.0" encoding="utf-8"?>
-<p:sld xmlns:a="http://schemas.openxmlformats.org/drawingml/2006/main" xmlns:r="http://schemas.openxmlformats.org/officeDocument/2006/relationships" xmlns:p="http://schemas.openxmlformats.org/presentationml/2006/main">
-  <p:cSld>
-    <p:spTree>
-      <p:nvGrpSpPr>
-        <p:cNvPr id="1" name=""/>
-        <p:cNvGrpSpPr/>
-        <p:nvPr/>
-      </p:nvGrpSpPr>
-      <p:grpSpPr/>
-      <p:sp>
-        <p:nvSpPr>
-          <p:cNvPr id="2" name="文本框 1"/>
-          <p:cNvSpPr txBox="1"/>
-          <p:nvPr/>
-        </p:nvSpPr>
-        <p:spPr>
-          <a:xfrm>
-            <a:off x="-1270" y="-4445"/>
-            <a:ext cx="2074545" cy="368300"/>
-          </a:xfrm>
-          <a:prstGeom prst="rect">
-            <a:avLst/>
-          </a:prstGeom>
-          <a:noFill/>
-        </p:spPr>
-        <p:txBody>
-          <a:bodyPr wrap="none" rtlCol="0">
-            <a:spAutoFit/>
-          </a:bodyPr>
-          <a:p>
-            <a:r>
-              <a:rPr lang="en-US" altLang="zh-CN"/>
-              <a:t>2.2.3.</a:t>
-            </a:r>
-            <a:r>
-              <a:rPr lang="zh-CN" altLang="en-US"/>
-              <a:t>软件</a:t>
-            </a:r>
-            <a:r>
-              <a:rPr lang="zh-CN" altLang="zh-CN"/>
-              <a:t>架构说明</a:t>
-            </a:r>
-            <a:endParaRPr lang="zh-CN" altLang="zh-CN"/>
-          </a:p>
-        </p:txBody>
-      </p:sp>
-      <p:pic>
-        <p:nvPicPr>
-          <p:cNvPr id="4" name="图片 3" descr="browser"/>
-          <p:cNvPicPr>
-            <a:picLocks noChangeAspect="1"/>
-          </p:cNvPicPr>
-          <p:nvPr>
-            <p:custDataLst>
-              <p:tags r:id="rId1"/>
-            </p:custDataLst>
-          </p:nvPr>
-        </p:nvPicPr>
-        <p:blipFill>
-          <a:blip r:embed="rId2"/>
-          <a:stretch>
-            <a:fillRect/>
-          </a:stretch>
-        </p:blipFill>
-        <p:spPr>
-          <a:xfrm>
-            <a:off x="1489075" y="2519680"/>
-            <a:ext cx="720090" cy="720090"/>
-          </a:xfrm>
-          <a:prstGeom prst="rect">
-            <a:avLst/>
-          </a:prstGeom>
-        </p:spPr>
-      </p:pic>
-      <p:sp>
-        <p:nvSpPr>
-          <p:cNvPr id="5" name="圆角矩形 4"/>
-          <p:cNvSpPr/>
-          <p:nvPr/>
-        </p:nvSpPr>
-        <p:spPr>
-          <a:xfrm>
-            <a:off x="4352925" y="1287780"/>
-            <a:ext cx="3972560" cy="1716405"/>
-          </a:xfrm>
-          <a:prstGeom prst="roundRect">
-            <a:avLst/>
-          </a:prstGeom>
-        </p:spPr>
-        <p:style>
-          <a:lnRef idx="2">
-            <a:schemeClr val="accent1">
-              <a:shade val="50000"/>
-            </a:schemeClr>
-          </a:lnRef>
-          <a:fillRef idx="1">
-            <a:schemeClr val="accent1"/>
-          </a:fillRef>
-          <a:effectRef idx="0">
-            <a:schemeClr val="accent1"/>
-          </a:effectRef>
-          <a:fontRef idx="minor">
-            <a:schemeClr val="lt1"/>
-          </a:fontRef>
-        </p:style>
-        <p:txBody>
-          <a:bodyPr rtlCol="0" anchor="ctr"/>
-          <a:p>
-            <a:pPr algn="ctr"/>
-            <a:endParaRPr lang="zh-CN" altLang="en-US"/>
-          </a:p>
-        </p:txBody>
-      </p:sp>
-    </p:spTree>
-  </p:cSld>
-  <p:clrMapOvr>
-    <a:masterClrMapping/>
-  </p:clrMapOvr>
-</p:sld>
-</file>
-
-<file path=ppt/tags/tag1.xml><?xml version="1.0" encoding="utf-8"?>
-<p:tagLst xmlns:p="http://schemas.openxmlformats.org/presentationml/2006/main">
-  <p:tag name="REFSHAPE" val="187166140"/>
-</p:tagLst>
-</file>
-
 <file path=ppt/theme/theme1.xml><?xml version="1.0" encoding="utf-8"?>
 <a:theme xmlns:a="http://schemas.openxmlformats.org/drawingml/2006/main" name="Office 主题">
   <a:themeElements>

--- a/文档/图例/概要设计.pptx
+++ b/文档/图例/概要设计.pptx
@@ -8,7 +8,8 @@
     <p:sldId id="256" r:id="rId3"/>
     <p:sldId id="257" r:id="rId4"/>
     <p:sldId id="258" r:id="rId5"/>
-    <p:sldId id="259" r:id="rId6"/>
+    <p:sldId id="260" r:id="rId6"/>
+    <p:sldId id="259" r:id="rId7"/>
   </p:sldIdLst>
   <p:sldSz cx="12192000" cy="6858000"/>
   <p:notesSz cx="6858000" cy="9144000"/>
@@ -11376,6 +11377,61 @@
 </p:sld>
 </file>
 
+<file path=ppt/slides/slide5.xml><?xml version="1.0" encoding="utf-8"?>
+<p:sld xmlns:a="http://schemas.openxmlformats.org/drawingml/2006/main" xmlns:r="http://schemas.openxmlformats.org/officeDocument/2006/relationships" xmlns:p="http://schemas.openxmlformats.org/presentationml/2006/main">
+  <p:cSld>
+    <p:spTree>
+      <p:nvGrpSpPr>
+        <p:cNvPr id="1" name=""/>
+        <p:cNvGrpSpPr/>
+        <p:nvPr/>
+      </p:nvGrpSpPr>
+      <p:grpSpPr/>
+      <p:sp>
+        <p:nvSpPr>
+          <p:cNvPr id="2" name="文本框 1"/>
+          <p:cNvSpPr txBox="1"/>
+          <p:nvPr/>
+        </p:nvSpPr>
+        <p:spPr>
+          <a:xfrm>
+            <a:off x="-1270" y="-4445"/>
+            <a:ext cx="2040255" cy="368300"/>
+          </a:xfrm>
+          <a:prstGeom prst="rect">
+            <a:avLst/>
+          </a:prstGeom>
+          <a:noFill/>
+        </p:spPr>
+        <p:txBody>
+          <a:bodyPr wrap="none" rtlCol="0">
+            <a:spAutoFit/>
+          </a:bodyPr>
+          <a:p>
+            <a:r>
+              <a:rPr lang="en-US" altLang="zh-CN"/>
+              <a:t>2.2.4.WEB</a:t>
+            </a:r>
+            <a:r>
+              <a:rPr lang="zh-CN" altLang="en-US"/>
+              <a:t>前端</a:t>
+            </a:r>
+            <a:r>
+              <a:rPr lang="zh-CN" altLang="zh-CN"/>
+              <a:t>架构</a:t>
+            </a:r>
+            <a:endParaRPr lang="zh-CN" altLang="zh-CN"/>
+          </a:p>
+        </p:txBody>
+      </p:sp>
+    </p:spTree>
+  </p:cSld>
+  <p:clrMapOvr>
+    <a:masterClrMapping/>
+  </p:clrMapOvr>
+</p:sld>
+</file>
+
 <file path=ppt/tags/tag1.xml><?xml version="1.0" encoding="utf-8"?>
 <p:tagLst xmlns:p="http://schemas.openxmlformats.org/presentationml/2006/main">
   <p:tag name="REFSHAPE" val="187166140"/>

--- a/文档/图例/概要设计.pptx
+++ b/文档/图例/概要设计.pptx
@@ -10,6 +10,7 @@
     <p:sldId id="258" r:id="rId5"/>
     <p:sldId id="260" r:id="rId6"/>
     <p:sldId id="259" r:id="rId7"/>
+    <p:sldId id="262" r:id="rId8"/>
   </p:sldIdLst>
   <p:sldSz cx="12192000" cy="6858000"/>
   <p:notesSz cx="6858000" cy="9144000"/>
@@ -11432,6 +11433,57 @@
 </p:sld>
 </file>
 
+<file path=ppt/slides/slide6.xml><?xml version="1.0" encoding="utf-8"?>
+<p:sld xmlns:a="http://schemas.openxmlformats.org/drawingml/2006/main" xmlns:r="http://schemas.openxmlformats.org/officeDocument/2006/relationships" xmlns:p="http://schemas.openxmlformats.org/presentationml/2006/main">
+  <p:cSld>
+    <p:spTree>
+      <p:nvGrpSpPr>
+        <p:cNvPr id="1" name=""/>
+        <p:cNvGrpSpPr/>
+        <p:nvPr/>
+      </p:nvGrpSpPr>
+      <p:grpSpPr/>
+      <p:sp>
+        <p:nvSpPr>
+          <p:cNvPr id="2" name="文本框 1"/>
+          <p:cNvSpPr txBox="1"/>
+          <p:nvPr/>
+        </p:nvSpPr>
+        <p:spPr>
+          <a:xfrm>
+            <a:off x="-1270" y="-4445"/>
+            <a:ext cx="2954655" cy="368300"/>
+          </a:xfrm>
+          <a:prstGeom prst="rect">
+            <a:avLst/>
+          </a:prstGeom>
+          <a:noFill/>
+        </p:spPr>
+        <p:txBody>
+          <a:bodyPr wrap="none" rtlCol="0">
+            <a:spAutoFit/>
+          </a:bodyPr>
+          <a:p>
+            <a:r>
+              <a:rPr lang="en-US" altLang="zh-CN"/>
+              <a:t>2.2.5.WEB</a:t>
+            </a:r>
+            <a:r>
+              <a:rPr lang="zh-CN" altLang="zh-CN"/>
+              <a:t>服务器端框架说明</a:t>
+            </a:r>
+            <a:endParaRPr lang="zh-CN" altLang="zh-CN"/>
+          </a:p>
+        </p:txBody>
+      </p:sp>
+    </p:spTree>
+  </p:cSld>
+  <p:clrMapOvr>
+    <a:masterClrMapping/>
+  </p:clrMapOvr>
+</p:sld>
+</file>
+
 <file path=ppt/tags/tag1.xml><?xml version="1.0" encoding="utf-8"?>
 <p:tagLst xmlns:p="http://schemas.openxmlformats.org/presentationml/2006/main">
   <p:tag name="REFSHAPE" val="187166140"/>
